--- a/deepctr模型.pptx
+++ b/deepctr模型.pptx
@@ -8,6 +8,10 @@
     <p:sldId id="257" r:id="rId2"/>
     <p:sldId id="256" r:id="rId3"/>
     <p:sldId id="258" r:id="rId4"/>
+    <p:sldId id="259" r:id="rId5"/>
+    <p:sldId id="260" r:id="rId6"/>
+    <p:sldId id="261" r:id="rId7"/>
+    <p:sldId id="262" r:id="rId8"/>
   </p:sldIdLst>
   <p:sldSz cx="12192000" cy="6858000"/>
   <p:notesSz cx="6858000" cy="9144000"/>
@@ -261,7 +265,7 @@
           <a:p>
             <a:fld id="{373EBD93-DEC0-408A-BBE6-F53F985BC846}" type="datetimeFigureOut">
               <a:rPr lang="zh-CN" altLang="en-US" smtClean="0"/>
-              <a:t>2021/6/14</a:t>
+              <a:t>2021/6/16</a:t>
             </a:fld>
             <a:endParaRPr lang="zh-CN" altLang="en-US"/>
           </a:p>
@@ -459,7 +463,7 @@
           <a:p>
             <a:fld id="{373EBD93-DEC0-408A-BBE6-F53F985BC846}" type="datetimeFigureOut">
               <a:rPr lang="zh-CN" altLang="en-US" smtClean="0"/>
-              <a:t>2021/6/14</a:t>
+              <a:t>2021/6/16</a:t>
             </a:fld>
             <a:endParaRPr lang="zh-CN" altLang="en-US"/>
           </a:p>
@@ -667,7 +671,7 @@
           <a:p>
             <a:fld id="{373EBD93-DEC0-408A-BBE6-F53F985BC846}" type="datetimeFigureOut">
               <a:rPr lang="zh-CN" altLang="en-US" smtClean="0"/>
-              <a:t>2021/6/14</a:t>
+              <a:t>2021/6/16</a:t>
             </a:fld>
             <a:endParaRPr lang="zh-CN" altLang="en-US"/>
           </a:p>
@@ -865,7 +869,7 @@
           <a:p>
             <a:fld id="{373EBD93-DEC0-408A-BBE6-F53F985BC846}" type="datetimeFigureOut">
               <a:rPr lang="zh-CN" altLang="en-US" smtClean="0"/>
-              <a:t>2021/6/14</a:t>
+              <a:t>2021/6/16</a:t>
             </a:fld>
             <a:endParaRPr lang="zh-CN" altLang="en-US"/>
           </a:p>
@@ -1140,7 +1144,7 @@
           <a:p>
             <a:fld id="{373EBD93-DEC0-408A-BBE6-F53F985BC846}" type="datetimeFigureOut">
               <a:rPr lang="zh-CN" altLang="en-US" smtClean="0"/>
-              <a:t>2021/6/14</a:t>
+              <a:t>2021/6/16</a:t>
             </a:fld>
             <a:endParaRPr lang="zh-CN" altLang="en-US"/>
           </a:p>
@@ -1405,7 +1409,7 @@
           <a:p>
             <a:fld id="{373EBD93-DEC0-408A-BBE6-F53F985BC846}" type="datetimeFigureOut">
               <a:rPr lang="zh-CN" altLang="en-US" smtClean="0"/>
-              <a:t>2021/6/14</a:t>
+              <a:t>2021/6/16</a:t>
             </a:fld>
             <a:endParaRPr lang="zh-CN" altLang="en-US"/>
           </a:p>
@@ -1817,7 +1821,7 @@
           <a:p>
             <a:fld id="{373EBD93-DEC0-408A-BBE6-F53F985BC846}" type="datetimeFigureOut">
               <a:rPr lang="zh-CN" altLang="en-US" smtClean="0"/>
-              <a:t>2021/6/14</a:t>
+              <a:t>2021/6/16</a:t>
             </a:fld>
             <a:endParaRPr lang="zh-CN" altLang="en-US"/>
           </a:p>
@@ -1958,7 +1962,7 @@
           <a:p>
             <a:fld id="{373EBD93-DEC0-408A-BBE6-F53F985BC846}" type="datetimeFigureOut">
               <a:rPr lang="zh-CN" altLang="en-US" smtClean="0"/>
-              <a:t>2021/6/14</a:t>
+              <a:t>2021/6/16</a:t>
             </a:fld>
             <a:endParaRPr lang="zh-CN" altLang="en-US"/>
           </a:p>
@@ -2071,7 +2075,7 @@
           <a:p>
             <a:fld id="{373EBD93-DEC0-408A-BBE6-F53F985BC846}" type="datetimeFigureOut">
               <a:rPr lang="zh-CN" altLang="en-US" smtClean="0"/>
-              <a:t>2021/6/14</a:t>
+              <a:t>2021/6/16</a:t>
             </a:fld>
             <a:endParaRPr lang="zh-CN" altLang="en-US"/>
           </a:p>
@@ -2382,7 +2386,7 @@
           <a:p>
             <a:fld id="{373EBD93-DEC0-408A-BBE6-F53F985BC846}" type="datetimeFigureOut">
               <a:rPr lang="zh-CN" altLang="en-US" smtClean="0"/>
-              <a:t>2021/6/14</a:t>
+              <a:t>2021/6/16</a:t>
             </a:fld>
             <a:endParaRPr lang="zh-CN" altLang="en-US"/>
           </a:p>
@@ -2670,7 +2674,7 @@
           <a:p>
             <a:fld id="{373EBD93-DEC0-408A-BBE6-F53F985BC846}" type="datetimeFigureOut">
               <a:rPr lang="zh-CN" altLang="en-US" smtClean="0"/>
-              <a:t>2021/6/14</a:t>
+              <a:t>2021/6/16</a:t>
             </a:fld>
             <a:endParaRPr lang="zh-CN" altLang="en-US"/>
           </a:p>
@@ -2911,7 +2915,7 @@
           <a:p>
             <a:fld id="{373EBD93-DEC0-408A-BBE6-F53F985BC846}" type="datetimeFigureOut">
               <a:rPr lang="zh-CN" altLang="en-US" smtClean="0"/>
-              <a:t>2021/6/14</a:t>
+              <a:t>2021/6/16</a:t>
             </a:fld>
             <a:endParaRPr lang="zh-CN" altLang="en-US"/>
           </a:p>
@@ -3615,7 +3619,7 @@
           <a:lstStyle/>
           <a:p>
             <a:r>
-              <a:rPr lang="en-US" altLang="zh-CN" b="1" dirty="0" err="1">
+              <a:rPr lang="en-US" altLang="zh-CN" b="1" dirty="0">
                 <a:latin typeface="微软雅黑" panose="020B0503020204020204" pitchFamily="34" charset="-122"/>
                 <a:ea typeface="微软雅黑" panose="020B0503020204020204" pitchFamily="34" charset="-122"/>
               </a:rPr>
@@ -3665,6 +3669,591 @@
     <p:extLst>
       <p:ext uri="{BB962C8B-B14F-4D97-AF65-F5344CB8AC3E}">
         <p14:creationId xmlns:p14="http://schemas.microsoft.com/office/powerpoint/2010/main" val="2358086718"/>
+      </p:ext>
+    </p:extLst>
+  </p:cSld>
+  <p:clrMapOvr>
+    <a:masterClrMapping/>
+  </p:clrMapOvr>
+</p:sld>
+</file>
+
+<file path=ppt/slides/slide4.xml><?xml version="1.0" encoding="utf-8"?>
+<p:sld xmlns:a="http://schemas.openxmlformats.org/drawingml/2006/main" xmlns:r="http://schemas.openxmlformats.org/officeDocument/2006/relationships" xmlns:p="http://schemas.openxmlformats.org/presentationml/2006/main">
+  <p:cSld>
+    <p:spTree>
+      <p:nvGrpSpPr>
+        <p:cNvPr id="1" name=""/>
+        <p:cNvGrpSpPr/>
+        <p:nvPr/>
+      </p:nvGrpSpPr>
+      <p:grpSpPr>
+        <a:xfrm>
+          <a:off x="0" y="0"/>
+          <a:ext cx="0" cy="0"/>
+          <a:chOff x="0" y="0"/>
+          <a:chExt cx="0" cy="0"/>
+        </a:xfrm>
+      </p:grpSpPr>
+      <p:sp>
+        <p:nvSpPr>
+          <p:cNvPr id="4" name="文本框 3">
+            <a:extLst>
+              <a:ext uri="{FF2B5EF4-FFF2-40B4-BE49-F238E27FC236}">
+                <a16:creationId xmlns:a16="http://schemas.microsoft.com/office/drawing/2014/main" id="{C5E3F4E1-5A5B-46D5-860C-097C49F1CE76}"/>
+              </a:ext>
+            </a:extLst>
+          </p:cNvPr>
+          <p:cNvSpPr txBox="1"/>
+          <p:nvPr/>
+        </p:nvSpPr>
+        <p:spPr>
+          <a:xfrm>
+            <a:off x="925211" y="436481"/>
+            <a:ext cx="4169026" cy="369332"/>
+          </a:xfrm>
+          <a:prstGeom prst="rect">
+            <a:avLst/>
+          </a:prstGeom>
+          <a:noFill/>
+        </p:spPr>
+        <p:txBody>
+          <a:bodyPr wrap="none" rtlCol="0">
+            <a:spAutoFit/>
+          </a:bodyPr>
+          <a:lstStyle/>
+          <a:p>
+            <a:r>
+              <a:rPr lang="en-US" altLang="zh-CN" b="1" dirty="0" err="1">
+                <a:latin typeface="微软雅黑" panose="020B0503020204020204" pitchFamily="34" charset="-122"/>
+                <a:ea typeface="微软雅黑" panose="020B0503020204020204" pitchFamily="34" charset="-122"/>
+              </a:rPr>
+              <a:t>Deep&amp;Cross</a:t>
+            </a:r>
+            <a:r>
+              <a:rPr lang="en-US" altLang="zh-CN" b="1" dirty="0">
+                <a:latin typeface="微软雅黑" panose="020B0503020204020204" pitchFamily="34" charset="-122"/>
+                <a:ea typeface="微软雅黑" panose="020B0503020204020204" pitchFamily="34" charset="-122"/>
+              </a:rPr>
+              <a:t> Network</a:t>
+            </a:r>
+            <a:r>
+              <a:rPr lang="zh-CN" altLang="en-US" b="1" dirty="0">
+                <a:latin typeface="微软雅黑" panose="020B0503020204020204" pitchFamily="34" charset="-122"/>
+                <a:ea typeface="微软雅黑" panose="020B0503020204020204" pitchFamily="34" charset="-122"/>
+              </a:rPr>
+              <a:t>（</a:t>
+            </a:r>
+            <a:r>
+              <a:rPr lang="en-US" altLang="zh-CN" b="1" dirty="0">
+                <a:latin typeface="微软雅黑" panose="020B0503020204020204" pitchFamily="34" charset="-122"/>
+                <a:ea typeface="微软雅黑" panose="020B0503020204020204" pitchFamily="34" charset="-122"/>
+              </a:rPr>
+              <a:t>DCN</a:t>
+            </a:r>
+            <a:r>
+              <a:rPr lang="zh-CN" altLang="en-US" b="1" dirty="0">
+                <a:latin typeface="微软雅黑" panose="020B0503020204020204" pitchFamily="34" charset="-122"/>
+                <a:ea typeface="微软雅黑" panose="020B0503020204020204" pitchFamily="34" charset="-122"/>
+              </a:rPr>
+              <a:t>）模型</a:t>
+            </a:r>
+          </a:p>
+        </p:txBody>
+      </p:sp>
+      <p:pic>
+        <p:nvPicPr>
+          <p:cNvPr id="1026" name="Picture 2">
+            <a:extLst>
+              <a:ext uri="{FF2B5EF4-FFF2-40B4-BE49-F238E27FC236}">
+                <a16:creationId xmlns:a16="http://schemas.microsoft.com/office/drawing/2014/main" id="{1E9C4DEB-1C04-448B-906B-0687714C8049}"/>
+              </a:ext>
+            </a:extLst>
+          </p:cNvPr>
+          <p:cNvPicPr>
+            <a:picLocks noChangeAspect="1" noChangeArrowheads="1"/>
+          </p:cNvPicPr>
+          <p:nvPr/>
+        </p:nvPicPr>
+        <p:blipFill>
+          <a:blip r:embed="rId2">
+            <a:extLst>
+              <a:ext uri="{28A0092B-C50C-407E-A947-70E740481C1C}">
+                <a14:useLocalDpi xmlns:a14="http://schemas.microsoft.com/office/drawing/2010/main" val="0"/>
+              </a:ext>
+            </a:extLst>
+          </a:blip>
+          <a:srcRect/>
+          <a:stretch>
+            <a:fillRect/>
+          </a:stretch>
+        </p:blipFill>
+        <p:spPr bwMode="auto">
+          <a:xfrm>
+            <a:off x="3689262" y="936366"/>
+            <a:ext cx="4813476" cy="4719881"/>
+          </a:xfrm>
+          <a:prstGeom prst="rect">
+            <a:avLst/>
+          </a:prstGeom>
+          <a:noFill/>
+          <a:extLst>
+            <a:ext uri="{909E8E84-426E-40DD-AFC4-6F175D3DCCD1}">
+              <a14:hiddenFill xmlns:a14="http://schemas.microsoft.com/office/drawing/2010/main">
+                <a:solidFill>
+                  <a:srgbClr val="FFFFFF"/>
+                </a:solidFill>
+              </a14:hiddenFill>
+            </a:ext>
+          </a:extLst>
+        </p:spPr>
+      </p:pic>
+      <p:sp>
+        <p:nvSpPr>
+          <p:cNvPr id="6" name="文本框 5">
+            <a:extLst>
+              <a:ext uri="{FF2B5EF4-FFF2-40B4-BE49-F238E27FC236}">
+                <a16:creationId xmlns:a16="http://schemas.microsoft.com/office/drawing/2014/main" id="{648E32F4-D2DF-4AFC-A236-3EEE7B6567A2}"/>
+              </a:ext>
+            </a:extLst>
+          </p:cNvPr>
+          <p:cNvSpPr txBox="1"/>
+          <p:nvPr/>
+        </p:nvSpPr>
+        <p:spPr>
+          <a:xfrm>
+            <a:off x="1074058" y="5799499"/>
+            <a:ext cx="7271656" cy="369332"/>
+          </a:xfrm>
+          <a:prstGeom prst="rect">
+            <a:avLst/>
+          </a:prstGeom>
+          <a:noFill/>
+        </p:spPr>
+        <p:txBody>
+          <a:bodyPr wrap="square">
+            <a:spAutoFit/>
+          </a:bodyPr>
+          <a:lstStyle/>
+          <a:p>
+            <a:r>
+              <a:rPr lang="zh-CN" altLang="en-US" dirty="0">
+                <a:latin typeface="微软雅黑" panose="020B0503020204020204" pitchFamily="34" charset="-122"/>
+                <a:ea typeface="微软雅黑" panose="020B0503020204020204" pitchFamily="34" charset="-122"/>
+              </a:rPr>
+              <a:t>https://blog.csdn.net/Dby_freedom/article/details/86502623</a:t>
+            </a:r>
+          </a:p>
+        </p:txBody>
+      </p:sp>
+      <p:sp>
+        <p:nvSpPr>
+          <p:cNvPr id="8" name="文本框 7">
+            <a:extLst>
+              <a:ext uri="{FF2B5EF4-FFF2-40B4-BE49-F238E27FC236}">
+                <a16:creationId xmlns:a16="http://schemas.microsoft.com/office/drawing/2014/main" id="{348CDAD6-1D76-4643-BDF3-E8F3D94EA7C8}"/>
+              </a:ext>
+            </a:extLst>
+          </p:cNvPr>
+          <p:cNvSpPr txBox="1"/>
+          <p:nvPr/>
+        </p:nvSpPr>
+        <p:spPr>
+          <a:xfrm>
+            <a:off x="1074058" y="6231214"/>
+            <a:ext cx="6647543" cy="369332"/>
+          </a:xfrm>
+          <a:prstGeom prst="rect">
+            <a:avLst/>
+          </a:prstGeom>
+          <a:noFill/>
+        </p:spPr>
+        <p:txBody>
+          <a:bodyPr wrap="square">
+            <a:spAutoFit/>
+          </a:bodyPr>
+          <a:lstStyle/>
+          <a:p>
+            <a:r>
+              <a:rPr lang="zh-CN" altLang="en-US" dirty="0">
+                <a:latin typeface="微软雅黑" panose="020B0503020204020204" pitchFamily="34" charset="-122"/>
+                <a:ea typeface="微软雅黑" panose="020B0503020204020204" pitchFamily="34" charset="-122"/>
+              </a:rPr>
+              <a:t>https://blog.csdn.net/Eric_1993/article/details/105670381</a:t>
+            </a:r>
+          </a:p>
+        </p:txBody>
+      </p:sp>
+    </p:spTree>
+    <p:extLst>
+      <p:ext uri="{BB962C8B-B14F-4D97-AF65-F5344CB8AC3E}">
+        <p14:creationId xmlns:p14="http://schemas.microsoft.com/office/powerpoint/2010/main" val="200812219"/>
+      </p:ext>
+    </p:extLst>
+  </p:cSld>
+  <p:clrMapOvr>
+    <a:masterClrMapping/>
+  </p:clrMapOvr>
+</p:sld>
+</file>
+
+<file path=ppt/slides/slide5.xml><?xml version="1.0" encoding="utf-8"?>
+<p:sld xmlns:a="http://schemas.openxmlformats.org/drawingml/2006/main" xmlns:r="http://schemas.openxmlformats.org/officeDocument/2006/relationships" xmlns:p="http://schemas.openxmlformats.org/presentationml/2006/main">
+  <p:cSld>
+    <p:spTree>
+      <p:nvGrpSpPr>
+        <p:cNvPr id="1" name=""/>
+        <p:cNvGrpSpPr/>
+        <p:nvPr/>
+      </p:nvGrpSpPr>
+      <p:grpSpPr>
+        <a:xfrm>
+          <a:off x="0" y="0"/>
+          <a:ext cx="0" cy="0"/>
+          <a:chOff x="0" y="0"/>
+          <a:chExt cx="0" cy="0"/>
+        </a:xfrm>
+      </p:grpSpPr>
+      <p:sp>
+        <p:nvSpPr>
+          <p:cNvPr id="4" name="文本框 3">
+            <a:extLst>
+              <a:ext uri="{FF2B5EF4-FFF2-40B4-BE49-F238E27FC236}">
+                <a16:creationId xmlns:a16="http://schemas.microsoft.com/office/drawing/2014/main" id="{C5E3F4E1-5A5B-46D5-860C-097C49F1CE76}"/>
+              </a:ext>
+            </a:extLst>
+          </p:cNvPr>
+          <p:cNvSpPr txBox="1"/>
+          <p:nvPr/>
+        </p:nvSpPr>
+        <p:spPr>
+          <a:xfrm>
+            <a:off x="925211" y="436481"/>
+            <a:ext cx="1207382" cy="369332"/>
+          </a:xfrm>
+          <a:prstGeom prst="rect">
+            <a:avLst/>
+          </a:prstGeom>
+          <a:noFill/>
+        </p:spPr>
+        <p:txBody>
+          <a:bodyPr wrap="none" rtlCol="0">
+            <a:spAutoFit/>
+          </a:bodyPr>
+          <a:lstStyle/>
+          <a:p>
+            <a:r>
+              <a:rPr lang="en-US" altLang="zh-CN" b="1" dirty="0">
+                <a:latin typeface="微软雅黑" panose="020B0503020204020204" pitchFamily="34" charset="-122"/>
+                <a:ea typeface="微软雅黑" panose="020B0503020204020204" pitchFamily="34" charset="-122"/>
+              </a:rPr>
+              <a:t>NFM</a:t>
+            </a:r>
+            <a:r>
+              <a:rPr lang="zh-CN" altLang="en-US" b="1" dirty="0">
+                <a:latin typeface="微软雅黑" panose="020B0503020204020204" pitchFamily="34" charset="-122"/>
+                <a:ea typeface="微软雅黑" panose="020B0503020204020204" pitchFamily="34" charset="-122"/>
+              </a:rPr>
+              <a:t>模型</a:t>
+            </a:r>
+          </a:p>
+        </p:txBody>
+      </p:sp>
+      <p:pic>
+        <p:nvPicPr>
+          <p:cNvPr id="4098" name="Picture 2">
+            <a:extLst>
+              <a:ext uri="{FF2B5EF4-FFF2-40B4-BE49-F238E27FC236}">
+                <a16:creationId xmlns:a16="http://schemas.microsoft.com/office/drawing/2014/main" id="{04943B99-E628-407E-AF35-8D851AD170A9}"/>
+              </a:ext>
+            </a:extLst>
+          </p:cNvPr>
+          <p:cNvPicPr>
+            <a:picLocks noChangeAspect="1" noChangeArrowheads="1"/>
+          </p:cNvPicPr>
+          <p:nvPr/>
+        </p:nvPicPr>
+        <p:blipFill>
+          <a:blip r:embed="rId2">
+            <a:extLst>
+              <a:ext uri="{28A0092B-C50C-407E-A947-70E740481C1C}">
+                <a14:useLocalDpi xmlns:a14="http://schemas.microsoft.com/office/drawing/2010/main" val="0"/>
+              </a:ext>
+            </a:extLst>
+          </a:blip>
+          <a:srcRect/>
+          <a:stretch>
+            <a:fillRect/>
+          </a:stretch>
+        </p:blipFill>
+        <p:spPr bwMode="auto">
+          <a:xfrm>
+            <a:off x="2667000" y="1062037"/>
+            <a:ext cx="6858000" cy="4733925"/>
+          </a:xfrm>
+          <a:prstGeom prst="rect">
+            <a:avLst/>
+          </a:prstGeom>
+          <a:noFill/>
+          <a:extLst>
+            <a:ext uri="{909E8E84-426E-40DD-AFC4-6F175D3DCCD1}">
+              <a14:hiddenFill xmlns:a14="http://schemas.microsoft.com/office/drawing/2010/main">
+                <a:solidFill>
+                  <a:srgbClr val="FFFFFF"/>
+                </a:solidFill>
+              </a14:hiddenFill>
+            </a:ext>
+          </a:extLst>
+        </p:spPr>
+      </p:pic>
+    </p:spTree>
+    <p:extLst>
+      <p:ext uri="{BB962C8B-B14F-4D97-AF65-F5344CB8AC3E}">
+        <p14:creationId xmlns:p14="http://schemas.microsoft.com/office/powerpoint/2010/main" val="3430081431"/>
+      </p:ext>
+    </p:extLst>
+  </p:cSld>
+  <p:clrMapOvr>
+    <a:masterClrMapping/>
+  </p:clrMapOvr>
+</p:sld>
+</file>
+
+<file path=ppt/slides/slide6.xml><?xml version="1.0" encoding="utf-8"?>
+<p:sld xmlns:a="http://schemas.openxmlformats.org/drawingml/2006/main" xmlns:r="http://schemas.openxmlformats.org/officeDocument/2006/relationships" xmlns:p="http://schemas.openxmlformats.org/presentationml/2006/main">
+  <p:cSld>
+    <p:spTree>
+      <p:nvGrpSpPr>
+        <p:cNvPr id="1" name=""/>
+        <p:cNvGrpSpPr/>
+        <p:nvPr/>
+      </p:nvGrpSpPr>
+      <p:grpSpPr>
+        <a:xfrm>
+          <a:off x="0" y="0"/>
+          <a:ext cx="0" cy="0"/>
+          <a:chOff x="0" y="0"/>
+          <a:chExt cx="0" cy="0"/>
+        </a:xfrm>
+      </p:grpSpPr>
+      <p:sp>
+        <p:nvSpPr>
+          <p:cNvPr id="4" name="文本框 3">
+            <a:extLst>
+              <a:ext uri="{FF2B5EF4-FFF2-40B4-BE49-F238E27FC236}">
+                <a16:creationId xmlns:a16="http://schemas.microsoft.com/office/drawing/2014/main" id="{C5E3F4E1-5A5B-46D5-860C-097C49F1CE76}"/>
+              </a:ext>
+            </a:extLst>
+          </p:cNvPr>
+          <p:cNvSpPr txBox="1"/>
+          <p:nvPr/>
+        </p:nvSpPr>
+        <p:spPr>
+          <a:xfrm>
+            <a:off x="925211" y="436481"/>
+            <a:ext cx="1184940" cy="369332"/>
+          </a:xfrm>
+          <a:prstGeom prst="rect">
+            <a:avLst/>
+          </a:prstGeom>
+          <a:noFill/>
+        </p:spPr>
+        <p:txBody>
+          <a:bodyPr wrap="none" rtlCol="0">
+            <a:spAutoFit/>
+          </a:bodyPr>
+          <a:lstStyle/>
+          <a:p>
+            <a:r>
+              <a:rPr lang="en-US" altLang="zh-CN" b="1" dirty="0">
+                <a:latin typeface="微软雅黑" panose="020B0503020204020204" pitchFamily="34" charset="-122"/>
+                <a:ea typeface="微软雅黑" panose="020B0503020204020204" pitchFamily="34" charset="-122"/>
+              </a:rPr>
+              <a:t>AFM</a:t>
+            </a:r>
+            <a:r>
+              <a:rPr lang="zh-CN" altLang="en-US" b="1" dirty="0">
+                <a:latin typeface="微软雅黑" panose="020B0503020204020204" pitchFamily="34" charset="-122"/>
+                <a:ea typeface="微软雅黑" panose="020B0503020204020204" pitchFamily="34" charset="-122"/>
+              </a:rPr>
+              <a:t>模型</a:t>
+            </a:r>
+          </a:p>
+        </p:txBody>
+      </p:sp>
+      <p:pic>
+        <p:nvPicPr>
+          <p:cNvPr id="3074" name="Picture 2">
+            <a:extLst>
+              <a:ext uri="{FF2B5EF4-FFF2-40B4-BE49-F238E27FC236}">
+                <a16:creationId xmlns:a16="http://schemas.microsoft.com/office/drawing/2014/main" id="{20F746A2-7718-4515-94D5-00A1A6F0F836}"/>
+              </a:ext>
+            </a:extLst>
+          </p:cNvPr>
+          <p:cNvPicPr>
+            <a:picLocks noChangeAspect="1" noChangeArrowheads="1"/>
+          </p:cNvPicPr>
+          <p:nvPr/>
+        </p:nvPicPr>
+        <p:blipFill>
+          <a:blip r:embed="rId2">
+            <a:extLst>
+              <a:ext uri="{28A0092B-C50C-407E-A947-70E740481C1C}">
+                <a14:useLocalDpi xmlns:a14="http://schemas.microsoft.com/office/drawing/2010/main" val="0"/>
+              </a:ext>
+            </a:extLst>
+          </a:blip>
+          <a:srcRect/>
+          <a:stretch>
+            <a:fillRect/>
+          </a:stretch>
+        </p:blipFill>
+        <p:spPr bwMode="auto">
+          <a:xfrm>
+            <a:off x="769623" y="1448253"/>
+            <a:ext cx="10652754" cy="3961493"/>
+          </a:xfrm>
+          <a:prstGeom prst="rect">
+            <a:avLst/>
+          </a:prstGeom>
+          <a:noFill/>
+          <a:extLst>
+            <a:ext uri="{909E8E84-426E-40DD-AFC4-6F175D3DCCD1}">
+              <a14:hiddenFill xmlns:a14="http://schemas.microsoft.com/office/drawing/2010/main">
+                <a:solidFill>
+                  <a:srgbClr val="FFFFFF"/>
+                </a:solidFill>
+              </a14:hiddenFill>
+            </a:ext>
+          </a:extLst>
+        </p:spPr>
+      </p:pic>
+    </p:spTree>
+    <p:extLst>
+      <p:ext uri="{BB962C8B-B14F-4D97-AF65-F5344CB8AC3E}">
+        <p14:creationId xmlns:p14="http://schemas.microsoft.com/office/powerpoint/2010/main" val="3051929920"/>
+      </p:ext>
+    </p:extLst>
+  </p:cSld>
+  <p:clrMapOvr>
+    <a:masterClrMapping/>
+  </p:clrMapOvr>
+</p:sld>
+</file>
+
+<file path=ppt/slides/slide7.xml><?xml version="1.0" encoding="utf-8"?>
+<p:sld xmlns:a="http://schemas.openxmlformats.org/drawingml/2006/main" xmlns:r="http://schemas.openxmlformats.org/officeDocument/2006/relationships" xmlns:p="http://schemas.openxmlformats.org/presentationml/2006/main">
+  <p:cSld>
+    <p:spTree>
+      <p:nvGrpSpPr>
+        <p:cNvPr id="1" name=""/>
+        <p:cNvGrpSpPr/>
+        <p:nvPr/>
+      </p:nvGrpSpPr>
+      <p:grpSpPr>
+        <a:xfrm>
+          <a:off x="0" y="0"/>
+          <a:ext cx="0" cy="0"/>
+          <a:chOff x="0" y="0"/>
+          <a:chExt cx="0" cy="0"/>
+        </a:xfrm>
+      </p:grpSpPr>
+      <p:sp>
+        <p:nvSpPr>
+          <p:cNvPr id="4" name="文本框 3">
+            <a:extLst>
+              <a:ext uri="{FF2B5EF4-FFF2-40B4-BE49-F238E27FC236}">
+                <a16:creationId xmlns:a16="http://schemas.microsoft.com/office/drawing/2014/main" id="{C5E3F4E1-5A5B-46D5-860C-097C49F1CE76}"/>
+              </a:ext>
+            </a:extLst>
+          </p:cNvPr>
+          <p:cNvSpPr txBox="1"/>
+          <p:nvPr/>
+        </p:nvSpPr>
+        <p:spPr>
+          <a:xfrm>
+            <a:off x="925211" y="436481"/>
+            <a:ext cx="1101584" cy="369332"/>
+          </a:xfrm>
+          <a:prstGeom prst="rect">
+            <a:avLst/>
+          </a:prstGeom>
+          <a:noFill/>
+        </p:spPr>
+        <p:txBody>
+          <a:bodyPr wrap="none" rtlCol="0">
+            <a:spAutoFit/>
+          </a:bodyPr>
+          <a:lstStyle/>
+          <a:p>
+            <a:r>
+              <a:rPr lang="en-US" altLang="zh-CN" b="1" dirty="0">
+                <a:latin typeface="微软雅黑" panose="020B0503020204020204" pitchFamily="34" charset="-122"/>
+                <a:ea typeface="微软雅黑" panose="020B0503020204020204" pitchFamily="34" charset="-122"/>
+              </a:rPr>
+              <a:t>DIN</a:t>
+            </a:r>
+            <a:r>
+              <a:rPr lang="zh-CN" altLang="en-US" b="1" dirty="0">
+                <a:latin typeface="微软雅黑" panose="020B0503020204020204" pitchFamily="34" charset="-122"/>
+                <a:ea typeface="微软雅黑" panose="020B0503020204020204" pitchFamily="34" charset="-122"/>
+              </a:rPr>
+              <a:t>模型</a:t>
+            </a:r>
+          </a:p>
+        </p:txBody>
+      </p:sp>
+      <p:pic>
+        <p:nvPicPr>
+          <p:cNvPr id="2050" name="Picture 2">
+            <a:extLst>
+              <a:ext uri="{FF2B5EF4-FFF2-40B4-BE49-F238E27FC236}">
+                <a16:creationId xmlns:a16="http://schemas.microsoft.com/office/drawing/2014/main" id="{30E29B8D-31D9-4C46-AE85-F9402FAE9BBC}"/>
+              </a:ext>
+            </a:extLst>
+          </p:cNvPr>
+          <p:cNvPicPr>
+            <a:picLocks noChangeAspect="1" noChangeArrowheads="1"/>
+          </p:cNvPicPr>
+          <p:nvPr/>
+        </p:nvPicPr>
+        <p:blipFill>
+          <a:blip r:embed="rId2">
+            <a:extLst>
+              <a:ext uri="{28A0092B-C50C-407E-A947-70E740481C1C}">
+                <a14:useLocalDpi xmlns:a14="http://schemas.microsoft.com/office/drawing/2010/main" val="0"/>
+              </a:ext>
+            </a:extLst>
+          </a:blip>
+          <a:srcRect/>
+          <a:stretch>
+            <a:fillRect/>
+          </a:stretch>
+        </p:blipFill>
+        <p:spPr bwMode="auto">
+          <a:xfrm>
+            <a:off x="1783030" y="991024"/>
+            <a:ext cx="8625940" cy="5430495"/>
+          </a:xfrm>
+          <a:prstGeom prst="rect">
+            <a:avLst/>
+          </a:prstGeom>
+          <a:noFill/>
+          <a:extLst>
+            <a:ext uri="{909E8E84-426E-40DD-AFC4-6F175D3DCCD1}">
+              <a14:hiddenFill xmlns:a14="http://schemas.microsoft.com/office/drawing/2010/main">
+                <a:solidFill>
+                  <a:srgbClr val="FFFFFF"/>
+                </a:solidFill>
+              </a14:hiddenFill>
+            </a:ext>
+          </a:extLst>
+        </p:spPr>
+      </p:pic>
+    </p:spTree>
+    <p:extLst>
+      <p:ext uri="{BB962C8B-B14F-4D97-AF65-F5344CB8AC3E}">
+        <p14:creationId xmlns:p14="http://schemas.microsoft.com/office/powerpoint/2010/main" val="1346470247"/>
       </p:ext>
     </p:extLst>
   </p:cSld>
